--- a/chancery-hand-educational-technologies-at-berkeley.pptx
+++ b/chancery-hand-educational-technologies-at-berkeley.pptx
@@ -3023,7 +3023,7 @@
       </p:grpSpPr>
       <p:sp>
         <p:nvSpPr>
-          <p:cNvPr id="119" name="Educational Technologies at Berkeley Today"/>
+          <p:cNvPr id="119" name="The Modern Chancery Hand?…"/>
           <p:cNvSpPr txBox="1"/>
           <p:nvPr>
             <p:ph type="ctrTitle"/>
@@ -3036,13 +3036,24 @@
         </p:spPr>
         <p:txBody>
           <a:bodyPr/>
-          <a:lstStyle>
-            <a:lvl1pPr>
-              <a:defRPr sz="6400"/>
-            </a:lvl1pPr>
-          </a:lstStyle>
-          <a:p>
-            <a:pPr/>
+          <a:lstStyle/>
+          <a:p>
+            <a:pPr>
+              <a:defRPr sz="6200"/>
+            </a:pPr>
+            <a:r>
+              <a:t>The Modern Chancery Hand?</a:t>
+            </a:r>
+          </a:p>
+          <a:p>
+            <a:pPr>
+              <a:defRPr sz="6200"/>
+            </a:pPr>
+          </a:p>
+          <a:p>
+            <a:pPr>
+              <a:defRPr sz="6200"/>
+            </a:pPr>
             <a:r>
               <a:t>Educational Technologies at Berkeley Today</a:t>
             </a:r>
@@ -3058,6 +3069,10 @@
           </p:nvPr>
         </p:nvSpPr>
         <p:spPr>
+          <a:xfrm>
+            <a:off x="905865" y="6415965"/>
+            <a:ext cx="11112501" cy="2540001"/>
+          </a:xfrm>
           <a:prstGeom prst="rect">
             <a:avLst/>
           </a:prstGeom>
@@ -3066,35 +3081,38 @@
           <a:bodyPr/>
           <a:lstStyle/>
           <a:p>
-            <a:pPr defTabSz="420624">
-              <a:defRPr sz="2664"/>
+            <a:pPr defTabSz="321310">
+              <a:defRPr sz="2035"/>
             </a:pPr>
             <a:r>
               <a:t>J. Bradford DeLong</a:t>
             </a:r>
           </a:p>
           <a:p>
-            <a:pPr defTabSz="420624">
-              <a:defRPr sz="2664"/>
+            <a:pPr defTabSz="321310">
+              <a:defRPr sz="2035"/>
             </a:pPr>
           </a:p>
           <a:p>
-            <a:pPr defTabSz="420624">
-              <a:defRPr sz="2664"/>
+            <a:pPr defTabSz="321310">
+              <a:defRPr sz="2035"/>
             </a:pPr>
             <a:r>
               <a:t>2017-08-13</a:t>
             </a:r>
           </a:p>
           <a:p>
-            <a:pPr defTabSz="420624">
-              <a:defRPr sz="2664"/>
+            <a:pPr defTabSz="321310">
+              <a:defRPr sz="2035"/>
             </a:pPr>
           </a:p>
           <a:p>
-            <a:pPr defTabSz="420624">
-              <a:defRPr sz="2664"/>
+            <a:pPr defTabSz="321310">
+              <a:defRPr sz="2035"/>
             </a:pPr>
+            <a:r>
+              <a:t>&lt;</a:t>
+            </a:r>
             <a:r>
               <a:rPr u="sng">
                 <a:hlinkClick r:id="rId2" invalidUrl="" action="" tgtFrame="" tooltip="" history="1" highlightClick="0" endSnd="0"/>
@@ -3102,12 +3120,29 @@
               <a:t>https://www.icloud.com/keynote/0yKJfOMN5SvDtK_K7tjWAstcA</a:t>
             </a:r>
             <a:r>
-              <a:t> </a:t>
-            </a:r>
-          </a:p>
-          <a:p>
-            <a:pPr defTabSz="420624">
-              <a:defRPr sz="2664"/>
+              <a:t>&gt; </a:t>
+            </a:r>
+          </a:p>
+          <a:p>
+            <a:pPr defTabSz="321310">
+              <a:defRPr sz="2035"/>
+            </a:pPr>
+            <a:r>
+              <a:t>&lt;</a:t>
+            </a:r>
+            <a:r>
+              <a:rPr u="sng">
+                <a:hlinkClick r:id="rId3" invalidUrl="" action="" tgtFrame="" tooltip="" history="1" highlightClick="0" endSnd="0"/>
+              </a:rPr>
+              <a:t>https://github.com/braddelong/public-files/blob/master/chancery-hand-educational-technologies-at-berkeley.pptx</a:t>
+            </a:r>
+            <a:r>
+              <a:t>&gt;</a:t>
+            </a:r>
+          </a:p>
+          <a:p>
+            <a:pPr defTabSz="321310">
+              <a:defRPr sz="2035"/>
             </a:pPr>
             <a:r>
               <a:t>2017-08-13 Educational Technologies Here at Berkeley</a:t>
